--- a/MeetingMinutes/SimianArmy_RelatedFiles/Janitor-Monkey.pptx
+++ b/MeetingMinutes/SimianArmy_RelatedFiles/Janitor-Monkey.pptx
@@ -1224,6 +1224,13 @@
         </dgm:presLayoutVars>
       </dgm:prSet>
       <dgm:spPr/>
+      <dgm:t>
+        <a:bodyPr/>
+        <a:lstStyle/>
+        <a:p>
+          <a:endParaRPr lang="en-US" altLang="zh-TW"/>
+        </a:p>
+      </dgm:t>
     </dgm:pt>
     <dgm:pt modelId="{38117883-414C-4B8F-99A7-646CBE5C7CF1}" type="pres">
       <dgm:prSet presAssocID="{D88CC617-89B9-4F49-B97D-DC69E5A3D9CB}" presName="hierFlow" presStyleCnt="0"/>
@@ -1250,6 +1257,13 @@
         </dgm:presLayoutVars>
       </dgm:prSet>
       <dgm:spPr/>
+      <dgm:t>
+        <a:bodyPr/>
+        <a:lstStyle/>
+        <a:p>
+          <a:endParaRPr lang="en-US" altLang="zh-TW"/>
+        </a:p>
+      </dgm:t>
     </dgm:pt>
     <dgm:pt modelId="{5CA2CCF2-037A-4530-92E9-09C9CFB7A47D}" type="pres">
       <dgm:prSet presAssocID="{60F6F411-63C6-4359-9383-A1E82163A533}" presName="hierChild2" presStyleCnt="0"/>
@@ -1258,6 +1272,13 @@
     <dgm:pt modelId="{A1279E0C-69C7-453C-A5FA-EA97EC9201D0}" type="pres">
       <dgm:prSet presAssocID="{AE1B7D08-F0F4-4005-A997-8A8AB6D83BA0}" presName="Name19" presStyleLbl="parChTrans1D2" presStyleIdx="0" presStyleCnt="2"/>
       <dgm:spPr/>
+      <dgm:t>
+        <a:bodyPr/>
+        <a:lstStyle/>
+        <a:p>
+          <a:endParaRPr lang="en-US" altLang="zh-TW"/>
+        </a:p>
+      </dgm:t>
     </dgm:pt>
     <dgm:pt modelId="{0E1E2F45-8CC7-454F-8EFF-4C659753594A}" type="pres">
       <dgm:prSet presAssocID="{ACE63D32-6D52-4553-ADCE-EDD58FCE2F45}" presName="Name21" presStyleCnt="0"/>
@@ -1266,6 +1287,13 @@
     <dgm:pt modelId="{5CA428FD-AB5C-4809-A78D-F904CC73CAE4}" type="pres">
       <dgm:prSet presAssocID="{ACE63D32-6D52-4553-ADCE-EDD58FCE2F45}" presName="level2Shape" presStyleLbl="node2" presStyleIdx="0" presStyleCnt="2"/>
       <dgm:spPr/>
+      <dgm:t>
+        <a:bodyPr/>
+        <a:lstStyle/>
+        <a:p>
+          <a:endParaRPr lang="en-US" altLang="zh-TW"/>
+        </a:p>
+      </dgm:t>
     </dgm:pt>
     <dgm:pt modelId="{EEE1ECB9-1F28-4593-945B-3BAD1AE11549}" type="pres">
       <dgm:prSet presAssocID="{ACE63D32-6D52-4553-ADCE-EDD58FCE2F45}" presName="hierChild3" presStyleCnt="0"/>
@@ -1274,6 +1302,13 @@
     <dgm:pt modelId="{DF4B90BD-1375-4BE0-B1A4-8031A8DF19A6}" type="pres">
       <dgm:prSet presAssocID="{5371950B-6BDD-4845-B44F-FD32E9D28F81}" presName="Name19" presStyleLbl="parChTrans1D3" presStyleIdx="0" presStyleCnt="3"/>
       <dgm:spPr/>
+      <dgm:t>
+        <a:bodyPr/>
+        <a:lstStyle/>
+        <a:p>
+          <a:endParaRPr lang="en-US" altLang="zh-TW"/>
+        </a:p>
+      </dgm:t>
     </dgm:pt>
     <dgm:pt modelId="{8BC68F2C-BDCE-4417-890A-36FB6C3208A0}" type="pres">
       <dgm:prSet presAssocID="{F6BD0421-D388-4211-B626-1BC57C4A9243}" presName="Name21" presStyleCnt="0"/>
@@ -1282,6 +1317,13 @@
     <dgm:pt modelId="{8D7C97C9-61D5-467E-86CE-488C6C9C9ABD}" type="pres">
       <dgm:prSet presAssocID="{F6BD0421-D388-4211-B626-1BC57C4A9243}" presName="level2Shape" presStyleLbl="node3" presStyleIdx="0" presStyleCnt="3"/>
       <dgm:spPr/>
+      <dgm:t>
+        <a:bodyPr/>
+        <a:lstStyle/>
+        <a:p>
+          <a:endParaRPr lang="en-US" altLang="zh-TW"/>
+        </a:p>
+      </dgm:t>
     </dgm:pt>
     <dgm:pt modelId="{42484983-575F-4141-B55E-1899AFFB5B89}" type="pres">
       <dgm:prSet presAssocID="{F6BD0421-D388-4211-B626-1BC57C4A9243}" presName="hierChild3" presStyleCnt="0"/>
@@ -1290,6 +1332,13 @@
     <dgm:pt modelId="{9533A243-B650-46DC-A438-C02373F73C6B}" type="pres">
       <dgm:prSet presAssocID="{1572D750-BBFC-45F7-859A-7D9A11CE23DF}" presName="Name19" presStyleLbl="parChTrans1D3" presStyleIdx="1" presStyleCnt="3"/>
       <dgm:spPr/>
+      <dgm:t>
+        <a:bodyPr/>
+        <a:lstStyle/>
+        <a:p>
+          <a:endParaRPr lang="en-US" altLang="zh-TW"/>
+        </a:p>
+      </dgm:t>
     </dgm:pt>
     <dgm:pt modelId="{6B67A230-60B6-466B-90CF-66CA5B736A95}" type="pres">
       <dgm:prSet presAssocID="{61D8B5A7-32DA-46BB-9DFD-41B3A21E3DCD}" presName="Name21" presStyleCnt="0"/>
@@ -1298,6 +1347,13 @@
     <dgm:pt modelId="{30103987-8554-4450-8DF5-0F2338ECB30F}" type="pres">
       <dgm:prSet presAssocID="{61D8B5A7-32DA-46BB-9DFD-41B3A21E3DCD}" presName="level2Shape" presStyleLbl="node3" presStyleIdx="1" presStyleCnt="3"/>
       <dgm:spPr/>
+      <dgm:t>
+        <a:bodyPr/>
+        <a:lstStyle/>
+        <a:p>
+          <a:endParaRPr lang="en-US" altLang="zh-TW"/>
+        </a:p>
+      </dgm:t>
     </dgm:pt>
     <dgm:pt modelId="{F92CC4CE-BA0E-4CF6-9127-03131AF2FC25}" type="pres">
       <dgm:prSet presAssocID="{61D8B5A7-32DA-46BB-9DFD-41B3A21E3DCD}" presName="hierChild3" presStyleCnt="0"/>
@@ -1306,6 +1362,13 @@
     <dgm:pt modelId="{7C19E4C0-4028-490D-8A0E-6B580063AF26}" type="pres">
       <dgm:prSet presAssocID="{F2BD08CF-F610-43C0-BD95-AD2CB54762FA}" presName="Name19" presStyleLbl="parChTrans1D2" presStyleIdx="1" presStyleCnt="2"/>
       <dgm:spPr/>
+      <dgm:t>
+        <a:bodyPr/>
+        <a:lstStyle/>
+        <a:p>
+          <a:endParaRPr lang="en-US" altLang="zh-TW"/>
+        </a:p>
+      </dgm:t>
     </dgm:pt>
     <dgm:pt modelId="{2C24F0B4-FF3E-4611-B7E3-4E552C16888E}" type="pres">
       <dgm:prSet presAssocID="{56C1B96D-C5E4-46DA-B19C-AFDFCCFB3C85}" presName="Name21" presStyleCnt="0"/>
@@ -1314,6 +1377,13 @@
     <dgm:pt modelId="{F85ECCBA-7FB5-4DBA-9021-99A16CAB6FB8}" type="pres">
       <dgm:prSet presAssocID="{56C1B96D-C5E4-46DA-B19C-AFDFCCFB3C85}" presName="level2Shape" presStyleLbl="node2" presStyleIdx="1" presStyleCnt="2"/>
       <dgm:spPr/>
+      <dgm:t>
+        <a:bodyPr/>
+        <a:lstStyle/>
+        <a:p>
+          <a:endParaRPr lang="en-US" altLang="zh-TW"/>
+        </a:p>
+      </dgm:t>
     </dgm:pt>
     <dgm:pt modelId="{F3FB3309-61A5-4760-8918-DE83D6B7DBC4}" type="pres">
       <dgm:prSet presAssocID="{56C1B96D-C5E4-46DA-B19C-AFDFCCFB3C85}" presName="hierChild3" presStyleCnt="0"/>
@@ -1322,6 +1392,13 @@
     <dgm:pt modelId="{0BFF37C0-0CBF-4487-972E-96AC56A9E9A1}" type="pres">
       <dgm:prSet presAssocID="{C1E018E3-3CB2-4709-A10B-221CF428126C}" presName="Name19" presStyleLbl="parChTrans1D3" presStyleIdx="2" presStyleCnt="3"/>
       <dgm:spPr/>
+      <dgm:t>
+        <a:bodyPr/>
+        <a:lstStyle/>
+        <a:p>
+          <a:endParaRPr lang="en-US" altLang="zh-TW"/>
+        </a:p>
+      </dgm:t>
     </dgm:pt>
     <dgm:pt modelId="{65340CE9-6CAC-4FF8-A7A6-74CBBF7E54BE}" type="pres">
       <dgm:prSet presAssocID="{840B7F92-E42F-4A71-9FDF-832CA025E3D3}" presName="Name21" presStyleCnt="0"/>
@@ -1330,6 +1407,13 @@
     <dgm:pt modelId="{D9F9B738-2246-49F3-A614-E29FC405D7BA}" type="pres">
       <dgm:prSet presAssocID="{840B7F92-E42F-4A71-9FDF-832CA025E3D3}" presName="level2Shape" presStyleLbl="node3" presStyleIdx="2" presStyleCnt="3"/>
       <dgm:spPr/>
+      <dgm:t>
+        <a:bodyPr/>
+        <a:lstStyle/>
+        <a:p>
+          <a:endParaRPr lang="en-US" altLang="zh-TW"/>
+        </a:p>
+      </dgm:t>
     </dgm:pt>
     <dgm:pt modelId="{755C6E33-FE63-4FC4-A9C0-F98BE8E74942}" type="pres">
       <dgm:prSet presAssocID="{840B7F92-E42F-4A71-9FDF-832CA025E3D3}" presName="hierChild3" presStyleCnt="0"/>
@@ -1341,24 +1425,24 @@
     </dgm:pt>
   </dgm:ptLst>
   <dgm:cxnLst>
+    <dgm:cxn modelId="{CB656835-E25C-4DF6-BF2F-5EE61F8B0653}" srcId="{D88CC617-89B9-4F49-B97D-DC69E5A3D9CB}" destId="{60F6F411-63C6-4359-9383-A1E82163A533}" srcOrd="0" destOrd="0" parTransId="{5C99DC3C-7158-4482-B6AA-3A5A6ACF0519}" sibTransId="{733E1761-B51B-4713-92AA-3B77C9672FBA}"/>
+    <dgm:cxn modelId="{96944513-9440-4A7D-AACE-84843CCC3D36}" type="presOf" srcId="{ACE63D32-6D52-4553-ADCE-EDD58FCE2F45}" destId="{5CA428FD-AB5C-4809-A78D-F904CC73CAE4}" srcOrd="0" destOrd="0" presId="urn:microsoft.com/office/officeart/2005/8/layout/hierarchy6"/>
+    <dgm:cxn modelId="{14A37736-01BB-4D41-A392-4BDD814C798F}" srcId="{60F6F411-63C6-4359-9383-A1E82163A533}" destId="{56C1B96D-C5E4-46DA-B19C-AFDFCCFB3C85}" srcOrd="1" destOrd="0" parTransId="{F2BD08CF-F610-43C0-BD95-AD2CB54762FA}" sibTransId="{CAB24B3A-292B-49F1-B728-C66A28A9ADED}"/>
+    <dgm:cxn modelId="{03CB603A-B448-46AC-8CBA-6A2D1B1BEE0F}" type="presOf" srcId="{F6BD0421-D388-4211-B626-1BC57C4A9243}" destId="{8D7C97C9-61D5-467E-86CE-488C6C9C9ABD}" srcOrd="0" destOrd="0" presId="urn:microsoft.com/office/officeart/2005/8/layout/hierarchy6"/>
+    <dgm:cxn modelId="{05D60DD5-50FB-4737-AF4E-229530EC4E18}" type="presOf" srcId="{5371950B-6BDD-4845-B44F-FD32E9D28F81}" destId="{DF4B90BD-1375-4BE0-B1A4-8031A8DF19A6}" srcOrd="0" destOrd="0" presId="urn:microsoft.com/office/officeart/2005/8/layout/hierarchy6"/>
+    <dgm:cxn modelId="{A0A2468E-CFD9-4B0B-9C45-5F49B2D772BC}" type="presOf" srcId="{D88CC617-89B9-4F49-B97D-DC69E5A3D9CB}" destId="{90D041F8-0E8F-470C-9C80-630ACE7CB2C6}" srcOrd="0" destOrd="0" presId="urn:microsoft.com/office/officeart/2005/8/layout/hierarchy6"/>
+    <dgm:cxn modelId="{75EDCBEF-F26B-4760-8F44-8AF924A756B1}" type="presOf" srcId="{1572D750-BBFC-45F7-859A-7D9A11CE23DF}" destId="{9533A243-B650-46DC-A438-C02373F73C6B}" srcOrd="0" destOrd="0" presId="urn:microsoft.com/office/officeart/2005/8/layout/hierarchy6"/>
     <dgm:cxn modelId="{7AAF4864-6F19-4F12-80A3-D383286436CE}" type="presOf" srcId="{61D8B5A7-32DA-46BB-9DFD-41B3A21E3DCD}" destId="{30103987-8554-4450-8DF5-0F2338ECB30F}" srcOrd="0" destOrd="0" presId="urn:microsoft.com/office/officeart/2005/8/layout/hierarchy6"/>
     <dgm:cxn modelId="{CC832256-5F6C-46E8-9BAD-23D626245EC7}" type="presOf" srcId="{AE1B7D08-F0F4-4005-A997-8A8AB6D83BA0}" destId="{A1279E0C-69C7-453C-A5FA-EA97EC9201D0}" srcOrd="0" destOrd="0" presId="urn:microsoft.com/office/officeart/2005/8/layout/hierarchy6"/>
-    <dgm:cxn modelId="{05D60DD5-50FB-4737-AF4E-229530EC4E18}" type="presOf" srcId="{5371950B-6BDD-4845-B44F-FD32E9D28F81}" destId="{DF4B90BD-1375-4BE0-B1A4-8031A8DF19A6}" srcOrd="0" destOrd="0" presId="urn:microsoft.com/office/officeart/2005/8/layout/hierarchy6"/>
+    <dgm:cxn modelId="{5C77E28C-C6E3-42B0-A08A-F278D7FA4FF8}" srcId="{ACE63D32-6D52-4553-ADCE-EDD58FCE2F45}" destId="{61D8B5A7-32DA-46BB-9DFD-41B3A21E3DCD}" srcOrd="1" destOrd="0" parTransId="{1572D750-BBFC-45F7-859A-7D9A11CE23DF}" sibTransId="{AF543E8F-45B7-4FF3-A17A-8FD9E1618FA1}"/>
+    <dgm:cxn modelId="{A8F0F1FF-84B8-4BE2-8774-350FE10F33F8}" type="presOf" srcId="{56C1B96D-C5E4-46DA-B19C-AFDFCCFB3C85}" destId="{F85ECCBA-7FB5-4DBA-9021-99A16CAB6FB8}" srcOrd="0" destOrd="0" presId="urn:microsoft.com/office/officeart/2005/8/layout/hierarchy6"/>
+    <dgm:cxn modelId="{63DC02A5-1EAD-448C-9D8E-E5DE54C83879}" srcId="{ACE63D32-6D52-4553-ADCE-EDD58FCE2F45}" destId="{F6BD0421-D388-4211-B626-1BC57C4A9243}" srcOrd="0" destOrd="0" parTransId="{5371950B-6BDD-4845-B44F-FD32E9D28F81}" sibTransId="{F35A7AE5-5A09-4E0A-89B6-9AA63F7D5E0F}"/>
+    <dgm:cxn modelId="{E7723A53-00D4-4F8C-AB71-2654B6F0BD18}" type="presOf" srcId="{F2BD08CF-F610-43C0-BD95-AD2CB54762FA}" destId="{7C19E4C0-4028-490D-8A0E-6B580063AF26}" srcOrd="0" destOrd="0" presId="urn:microsoft.com/office/officeart/2005/8/layout/hierarchy6"/>
+    <dgm:cxn modelId="{ECA8C665-76C1-4C67-B8C6-7ADF5582F404}" type="presOf" srcId="{C1E018E3-3CB2-4709-A10B-221CF428126C}" destId="{0BFF37C0-0CBF-4487-972E-96AC56A9E9A1}" srcOrd="0" destOrd="0" presId="urn:microsoft.com/office/officeart/2005/8/layout/hierarchy6"/>
     <dgm:cxn modelId="{8CF75E0D-6026-4591-8991-F240ECC6687F}" type="presOf" srcId="{840B7F92-E42F-4A71-9FDF-832CA025E3D3}" destId="{D9F9B738-2246-49F3-A614-E29FC405D7BA}" srcOrd="0" destOrd="0" presId="urn:microsoft.com/office/officeart/2005/8/layout/hierarchy6"/>
+    <dgm:cxn modelId="{86BC24AC-4F69-4CC0-84DC-A7D70CAA3598}" srcId="{56C1B96D-C5E4-46DA-B19C-AFDFCCFB3C85}" destId="{840B7F92-E42F-4A71-9FDF-832CA025E3D3}" srcOrd="0" destOrd="0" parTransId="{C1E018E3-3CB2-4709-A10B-221CF428126C}" sibTransId="{87151A05-28B4-4A08-84F2-0ECEC59FCBE5}"/>
     <dgm:cxn modelId="{E3600239-C7A5-4AA5-930D-E9169E67E923}" srcId="{60F6F411-63C6-4359-9383-A1E82163A533}" destId="{ACE63D32-6D52-4553-ADCE-EDD58FCE2F45}" srcOrd="0" destOrd="0" parTransId="{AE1B7D08-F0F4-4005-A997-8A8AB6D83BA0}" sibTransId="{6569535D-B6F7-4396-BCA7-DE49FCE5B096}"/>
-    <dgm:cxn modelId="{63DC02A5-1EAD-448C-9D8E-E5DE54C83879}" srcId="{ACE63D32-6D52-4553-ADCE-EDD58FCE2F45}" destId="{F6BD0421-D388-4211-B626-1BC57C4A9243}" srcOrd="0" destOrd="0" parTransId="{5371950B-6BDD-4845-B44F-FD32E9D28F81}" sibTransId="{F35A7AE5-5A09-4E0A-89B6-9AA63F7D5E0F}"/>
-    <dgm:cxn modelId="{86BC24AC-4F69-4CC0-84DC-A7D70CAA3598}" srcId="{56C1B96D-C5E4-46DA-B19C-AFDFCCFB3C85}" destId="{840B7F92-E42F-4A71-9FDF-832CA025E3D3}" srcOrd="0" destOrd="0" parTransId="{C1E018E3-3CB2-4709-A10B-221CF428126C}" sibTransId="{87151A05-28B4-4A08-84F2-0ECEC59FCBE5}"/>
-    <dgm:cxn modelId="{CB656835-E25C-4DF6-BF2F-5EE61F8B0653}" srcId="{D88CC617-89B9-4F49-B97D-DC69E5A3D9CB}" destId="{60F6F411-63C6-4359-9383-A1E82163A533}" srcOrd="0" destOrd="0" parTransId="{5C99DC3C-7158-4482-B6AA-3A5A6ACF0519}" sibTransId="{733E1761-B51B-4713-92AA-3B77C9672FBA}"/>
-    <dgm:cxn modelId="{E7723A53-00D4-4F8C-AB71-2654B6F0BD18}" type="presOf" srcId="{F2BD08CF-F610-43C0-BD95-AD2CB54762FA}" destId="{7C19E4C0-4028-490D-8A0E-6B580063AF26}" srcOrd="0" destOrd="0" presId="urn:microsoft.com/office/officeart/2005/8/layout/hierarchy6"/>
     <dgm:cxn modelId="{AF03CB1E-6F84-429F-ADA3-24A4F61035B3}" type="presOf" srcId="{60F6F411-63C6-4359-9383-A1E82163A533}" destId="{0B49A21A-AF98-46FE-A3A6-6FB98F58C3CE}" srcOrd="0" destOrd="0" presId="urn:microsoft.com/office/officeart/2005/8/layout/hierarchy6"/>
-    <dgm:cxn modelId="{A0A2468E-CFD9-4B0B-9C45-5F49B2D772BC}" type="presOf" srcId="{D88CC617-89B9-4F49-B97D-DC69E5A3D9CB}" destId="{90D041F8-0E8F-470C-9C80-630ACE7CB2C6}" srcOrd="0" destOrd="0" presId="urn:microsoft.com/office/officeart/2005/8/layout/hierarchy6"/>
-    <dgm:cxn modelId="{96944513-9440-4A7D-AACE-84843CCC3D36}" type="presOf" srcId="{ACE63D32-6D52-4553-ADCE-EDD58FCE2F45}" destId="{5CA428FD-AB5C-4809-A78D-F904CC73CAE4}" srcOrd="0" destOrd="0" presId="urn:microsoft.com/office/officeart/2005/8/layout/hierarchy6"/>
-    <dgm:cxn modelId="{5C77E28C-C6E3-42B0-A08A-F278D7FA4FF8}" srcId="{ACE63D32-6D52-4553-ADCE-EDD58FCE2F45}" destId="{61D8B5A7-32DA-46BB-9DFD-41B3A21E3DCD}" srcOrd="1" destOrd="0" parTransId="{1572D750-BBFC-45F7-859A-7D9A11CE23DF}" sibTransId="{AF543E8F-45B7-4FF3-A17A-8FD9E1618FA1}"/>
-    <dgm:cxn modelId="{03CB603A-B448-46AC-8CBA-6A2D1B1BEE0F}" type="presOf" srcId="{F6BD0421-D388-4211-B626-1BC57C4A9243}" destId="{8D7C97C9-61D5-467E-86CE-488C6C9C9ABD}" srcOrd="0" destOrd="0" presId="urn:microsoft.com/office/officeart/2005/8/layout/hierarchy6"/>
-    <dgm:cxn modelId="{14A37736-01BB-4D41-A392-4BDD814C798F}" srcId="{60F6F411-63C6-4359-9383-A1E82163A533}" destId="{56C1B96D-C5E4-46DA-B19C-AFDFCCFB3C85}" srcOrd="1" destOrd="0" parTransId="{F2BD08CF-F610-43C0-BD95-AD2CB54762FA}" sibTransId="{CAB24B3A-292B-49F1-B728-C66A28A9ADED}"/>
-    <dgm:cxn modelId="{A8F0F1FF-84B8-4BE2-8774-350FE10F33F8}" type="presOf" srcId="{56C1B96D-C5E4-46DA-B19C-AFDFCCFB3C85}" destId="{F85ECCBA-7FB5-4DBA-9021-99A16CAB6FB8}" srcOrd="0" destOrd="0" presId="urn:microsoft.com/office/officeart/2005/8/layout/hierarchy6"/>
-    <dgm:cxn modelId="{ECA8C665-76C1-4C67-B8C6-7ADF5582F404}" type="presOf" srcId="{C1E018E3-3CB2-4709-A10B-221CF428126C}" destId="{0BFF37C0-0CBF-4487-972E-96AC56A9E9A1}" srcOrd="0" destOrd="0" presId="urn:microsoft.com/office/officeart/2005/8/layout/hierarchy6"/>
-    <dgm:cxn modelId="{75EDCBEF-F26B-4760-8F44-8AF924A756B1}" type="presOf" srcId="{1572D750-BBFC-45F7-859A-7D9A11CE23DF}" destId="{9533A243-B650-46DC-A438-C02373F73C6B}" srcOrd="0" destOrd="0" presId="urn:microsoft.com/office/officeart/2005/8/layout/hierarchy6"/>
     <dgm:cxn modelId="{1A92F375-B656-4A97-8F6E-1E5AF04CCBF0}" type="presParOf" srcId="{90D041F8-0E8F-470C-9C80-630ACE7CB2C6}" destId="{38117883-414C-4B8F-99A7-646CBE5C7CF1}" srcOrd="0" destOrd="0" presId="urn:microsoft.com/office/officeart/2005/8/layout/hierarchy6"/>
     <dgm:cxn modelId="{2C693415-9707-4E8F-8D75-0EFD5981CA74}" type="presParOf" srcId="{38117883-414C-4B8F-99A7-646CBE5C7CF1}" destId="{1C92D055-22D1-4FF3-9F59-2A7601CC691B}" srcOrd="0" destOrd="0" presId="urn:microsoft.com/office/officeart/2005/8/layout/hierarchy6"/>
     <dgm:cxn modelId="{7200A225-3130-47DA-84E5-6517DA930FF8}" type="presParOf" srcId="{1C92D055-22D1-4FF3-9F59-2A7601CC691B}" destId="{973350A0-EEE9-4C9B-8131-06D2F1150202}" srcOrd="0" destOrd="0" presId="urn:microsoft.com/office/officeart/2005/8/layout/hierarchy6"/>
@@ -8420,14 +8504,6 @@
               </a:rPr>
               <a:t>Notify the owners</a:t>
             </a:r>
-            <a:endParaRPr lang="en-US" dirty="0" smtClean="0">
-              <a:solidFill>
-                <a:srgbClr val="000000"/>
-              </a:solidFill>
-              <a:latin typeface="Calibri" charset="0"/>
-              <a:ea typeface="Calibri" charset="0"/>
-              <a:cs typeface="Calibri" charset="0"/>
-            </a:endParaRPr>
           </a:p>
           <a:p>
             <a:pPr marL="342900" lvl="0" indent="-342900">
@@ -8448,14 +8524,6 @@
               </a:rPr>
               <a:t>Cleanup the resources</a:t>
             </a:r>
-            <a:endParaRPr lang="en-US" dirty="0" smtClean="0">
-              <a:solidFill>
-                <a:srgbClr val="000000"/>
-              </a:solidFill>
-              <a:latin typeface="Calibri" charset="0"/>
-              <a:ea typeface="Calibri" charset="0"/>
-              <a:cs typeface="Calibri" charset="0"/>
-            </a:endParaRPr>
           </a:p>
           <a:p>
             <a:pPr marL="285750" lvl="0" indent="-285750">
@@ -9667,8 +9735,8 @@
         </p:blipFill>
         <p:spPr>
           <a:xfrm>
-            <a:off x="173183" y="1153146"/>
-            <a:ext cx="8451271" cy="3590474"/>
+            <a:off x="176571" y="1153146"/>
+            <a:ext cx="8444494" cy="3590474"/>
           </a:xfrm>
           <a:prstGeom prst="rect">
             <a:avLst/>
